--- a/img/Architecture.pptx
+++ b/img/Architecture.pptx
@@ -197,7 +197,7 @@
           <a:p>
             <a:fld id="{E1E1324E-1045-42BE-B691-8FC58E5AD04E}" type="datetimeFigureOut">
               <a:rPr lang="en-CA" smtClean="0"/>
-              <a:t>2021-02-10</a:t>
+              <a:t>2021-02-12</a:t>
             </a:fld>
             <a:endParaRPr lang="en-CA"/>
           </a:p>
@@ -715,7 +715,7 @@
                 <a:tabLst/>
                 <a:defRPr/>
               </a:pPr>
-              <a:t>2/10/2021 1:27 PM</a:t>
+              <a:t>2/12/2021 11:51 AM</a:t>
             </a:fld>
             <a:endParaRPr kumimoji="0" lang="en-US" sz="1200" b="0" i="0" u="none" strike="noStrike" kern="1200" cap="none" spc="0" normalizeH="0" baseline="0" noProof="0" dirty="0">
               <a:ln>
@@ -17924,8 +17924,8 @@
         </p:nvSpPr>
         <p:spPr>
           <a:xfrm>
-            <a:off x="9795409" y="2197384"/>
-            <a:ext cx="2637069" cy="184666"/>
+            <a:off x="9795410" y="2197384"/>
+            <a:ext cx="2374546" cy="184666"/>
           </a:xfrm>
           <a:prstGeom prst="rect">
             <a:avLst/>
@@ -18502,7 +18502,7 @@
         <p:spPr>
           <a:xfrm>
             <a:off x="9795409" y="4430562"/>
-            <a:ext cx="2905186" cy="184666"/>
+            <a:ext cx="1847718" cy="184666"/>
           </a:xfrm>
           <a:prstGeom prst="rect">
             <a:avLst/>
@@ -19596,7 +19596,7 @@
         <p:spPr>
           <a:xfrm>
             <a:off x="9795409" y="4868107"/>
-            <a:ext cx="2905186" cy="184666"/>
+            <a:ext cx="1885033" cy="184666"/>
           </a:xfrm>
           <a:prstGeom prst="rect">
             <a:avLst/>
@@ -25479,8 +25479,8 @@
         </p:nvSpPr>
         <p:spPr bwMode="auto">
           <a:xfrm>
-            <a:off x="777363" y="3373177"/>
-            <a:ext cx="1056718" cy="174897"/>
+            <a:off x="777362" y="3360397"/>
+            <a:ext cx="2031933" cy="208218"/>
           </a:xfrm>
           <a:prstGeom prst="rect">
             <a:avLst/>
@@ -25557,8 +25557,8 @@
         </p:nvSpPr>
         <p:spPr bwMode="auto">
           <a:xfrm>
-            <a:off x="713117" y="3253637"/>
-            <a:ext cx="1320471" cy="404075"/>
+            <a:off x="713116" y="3253637"/>
+            <a:ext cx="2096179" cy="404075"/>
           </a:xfrm>
           <a:prstGeom prst="rect">
             <a:avLst/>
@@ -25612,7 +25612,7 @@
               <a:defRPr/>
             </a:pPr>
             <a:r>
-              <a:rPr kumimoji="0" lang="en-US" sz="600" b="0" i="0" u="none" strike="noStrike" kern="1200" cap="none" spc="0" normalizeH="0" baseline="0" noProof="0" dirty="0">
+              <a:rPr kumimoji="0" lang="en-US" sz="700" b="0" i="0" u="none" strike="noStrike" kern="1200" cap="none" spc="0" normalizeH="0" baseline="0" noProof="0" dirty="0">
                 <a:ln>
                   <a:noFill/>
                 </a:ln>
@@ -25648,7 +25648,7 @@
               <a:defRPr/>
             </a:pPr>
             <a:r>
-              <a:rPr kumimoji="0" lang="en-US" sz="300" b="0" i="0" u="none" strike="noStrike" kern="1200" cap="none" spc="0" normalizeH="0" baseline="0" noProof="0" dirty="0">
+              <a:rPr kumimoji="0" lang="en-US" sz="500" b="0" i="0" u="none" strike="noStrike" kern="1200" cap="none" spc="0" normalizeH="0" baseline="0" noProof="0" dirty="0">
                 <a:ln>
                   <a:noFill/>
                 </a:ln>
@@ -25665,7 +25665,7 @@
               <a:t>🗝️ </a:t>
             </a:r>
             <a:r>
-              <a:rPr lang="en-US" sz="300" dirty="0">
+              <a:rPr lang="en-US" sz="500" dirty="0">
                 <a:solidFill>
                   <a:srgbClr val="000000"/>
                 </a:solidFill>
@@ -25675,7 +25675,7 @@
               <a:t>Use</a:t>
             </a:r>
             <a:r>
-              <a:rPr lang="en-US" sz="300" dirty="0">
+              <a:rPr lang="en-US" sz="500" dirty="0">
                 <a:solidFill>
                   <a:srgbClr val="000000"/>
                 </a:solidFill>
@@ -25686,7 +25686,7 @@
               <a:t> </a:t>
             </a:r>
             <a:r>
-              <a:rPr lang="en-US" sz="300" u="sng" dirty="0" err="1">
+              <a:rPr lang="en-US" sz="500" u="sng" dirty="0" err="1">
                 <a:solidFill>
                   <a:srgbClr val="000000"/>
                 </a:solidFill>
@@ -25705,7 +25705,7 @@
               <a:t>PsExec</a:t>
             </a:r>
             <a:r>
-              <a:rPr kumimoji="0" lang="en-US" sz="300" b="0" i="0" u="none" strike="noStrike" kern="1200" cap="none" spc="0" normalizeH="0" baseline="0" noProof="0" dirty="0">
+              <a:rPr kumimoji="0" lang="en-US" sz="500" b="0" i="0" u="none" strike="noStrike" kern="1200" cap="none" spc="0" normalizeH="0" baseline="0" noProof="0" dirty="0">
                 <a:ln>
                   <a:noFill/>
                 </a:ln>
@@ -25722,7 +25722,7 @@
               <a:t> to Access </a:t>
             </a:r>
             <a:r>
-              <a:rPr kumimoji="0" lang="en-US" sz="300" b="1" i="0" u="none" strike="noStrike" kern="1200" cap="none" spc="0" normalizeH="0" baseline="0" noProof="0" dirty="0">
+              <a:rPr kumimoji="0" lang="en-US" sz="500" b="1" i="0" u="none" strike="noStrike" kern="1200" cap="none" spc="0" normalizeH="0" baseline="0" noProof="0" dirty="0">
                 <a:ln>
                   <a:noFill/>
                 </a:ln>
@@ -25739,7 +25739,7 @@
               <a:t>UNC</a:t>
             </a:r>
             <a:r>
-              <a:rPr kumimoji="0" lang="en-US" sz="300" b="0" i="0" u="none" strike="noStrike" kern="1200" cap="none" spc="0" normalizeH="0" baseline="0" noProof="0" dirty="0">
+              <a:rPr kumimoji="0" lang="en-US" sz="500" b="0" i="0" u="none" strike="noStrike" kern="1200" cap="none" spc="0" normalizeH="0" baseline="0" noProof="0" dirty="0">
                 <a:ln>
                   <a:noFill/>
                 </a:ln>
@@ -25755,7 +25755,7 @@
               </a:rPr>
               <a:t> Path via Federated ID</a:t>
             </a:r>
-            <a:endParaRPr kumimoji="0" lang="en-US" sz="500" b="0" i="0" u="none" strike="noStrike" kern="1200" cap="none" spc="0" normalizeH="0" baseline="0" noProof="0" dirty="0">
+            <a:endParaRPr kumimoji="0" lang="en-US" sz="700" b="0" i="0" u="none" strike="noStrike" kern="1200" cap="none" spc="0" normalizeH="0" baseline="0" noProof="0" dirty="0">
               <a:ln>
                 <a:noFill/>
               </a:ln>
@@ -25786,8 +25786,8 @@
         </p:nvGrpSpPr>
         <p:grpSpPr>
           <a:xfrm>
-            <a:off x="689845" y="3379132"/>
-            <a:ext cx="161370" cy="170320"/>
+            <a:off x="677441" y="3362628"/>
+            <a:ext cx="204345" cy="215679"/>
             <a:chOff x="696195" y="3464857"/>
             <a:chExt cx="161370" cy="170320"/>
           </a:xfrm>
@@ -25923,8 +25923,8 @@
         </p:nvCxnSpPr>
         <p:spPr>
           <a:xfrm>
-            <a:off x="780054" y="3374820"/>
-            <a:ext cx="1040884" cy="0"/>
+            <a:off x="812378" y="3360985"/>
+            <a:ext cx="1996917" cy="0"/>
           </a:xfrm>
           <a:prstGeom prst="line">
             <a:avLst/>
@@ -25960,8 +25960,8 @@
         </p:nvCxnSpPr>
         <p:spPr>
           <a:xfrm>
-            <a:off x="789387" y="3548074"/>
-            <a:ext cx="1040884" cy="0"/>
+            <a:off x="812378" y="3566984"/>
+            <a:ext cx="1996917" cy="0"/>
           </a:xfrm>
           <a:prstGeom prst="line">
             <a:avLst/>
